--- a/Personality Test (Cosine Similarity)/Similarity PowerPoint.pptx
+++ b/Personality Test (Cosine Similarity)/Similarity PowerPoint.pptx
@@ -8,25 +8,23 @@
     <p:sldId id="256" r:id="rId2"/>
     <p:sldId id="257" r:id="rId3"/>
     <p:sldId id="279" r:id="rId4"/>
-    <p:sldId id="280" r:id="rId5"/>
-    <p:sldId id="258" r:id="rId6"/>
-    <p:sldId id="260" r:id="rId7"/>
-    <p:sldId id="262" r:id="rId8"/>
-    <p:sldId id="263" r:id="rId9"/>
-    <p:sldId id="264" r:id="rId10"/>
-    <p:sldId id="265" r:id="rId11"/>
-    <p:sldId id="266" r:id="rId12"/>
-    <p:sldId id="267" r:id="rId13"/>
-    <p:sldId id="268" r:id="rId14"/>
-    <p:sldId id="269" r:id="rId15"/>
-    <p:sldId id="270" r:id="rId16"/>
-    <p:sldId id="271" r:id="rId17"/>
-    <p:sldId id="272" r:id="rId18"/>
-    <p:sldId id="273" r:id="rId19"/>
-    <p:sldId id="274" r:id="rId20"/>
-    <p:sldId id="275" r:id="rId21"/>
-    <p:sldId id="278" r:id="rId22"/>
-    <p:sldId id="276" r:id="rId23"/>
+    <p:sldId id="258" r:id="rId5"/>
+    <p:sldId id="260" r:id="rId6"/>
+    <p:sldId id="262" r:id="rId7"/>
+    <p:sldId id="263" r:id="rId8"/>
+    <p:sldId id="264" r:id="rId9"/>
+    <p:sldId id="265" r:id="rId10"/>
+    <p:sldId id="266" r:id="rId11"/>
+    <p:sldId id="267" r:id="rId12"/>
+    <p:sldId id="268" r:id="rId13"/>
+    <p:sldId id="269" r:id="rId14"/>
+    <p:sldId id="270" r:id="rId15"/>
+    <p:sldId id="271" r:id="rId16"/>
+    <p:sldId id="272" r:id="rId17"/>
+    <p:sldId id="273" r:id="rId18"/>
+    <p:sldId id="274" r:id="rId19"/>
+    <p:sldId id="275" r:id="rId20"/>
+    <p:sldId id="278" r:id="rId21"/>
   </p:sldIdLst>
   <p:sldSz cx="12192000" cy="6858000"/>
   <p:notesSz cx="6858000" cy="9144000"/>
@@ -125,6 +123,11 @@
       </a:defRPr>
     </a:lvl9pPr>
   </p:defaultTextStyle>
+  <p:extLst>
+    <p:ext uri="{EFAFB233-063F-42B5-8137-9DF3F51BA10A}">
+      <p15:sldGuideLst xmlns:p15="http://schemas.microsoft.com/office/powerpoint/2012/main"/>
+    </p:ext>
+  </p:extLst>
 </p:presentation>
 </file>
 
@@ -275,7 +278,7 @@
           <a:p>
             <a:fld id="{F2078815-F99C-0043-8A65-8CB3A233A118}" type="datetimeFigureOut">
               <a:rPr lang="en-US" smtClean="0"/>
-              <a:t>10/17/23</a:t>
+              <a:t>12/3/23</a:t>
             </a:fld>
             <a:endParaRPr lang="en-US"/>
           </a:p>
@@ -473,7 +476,7 @@
           <a:p>
             <a:fld id="{F2078815-F99C-0043-8A65-8CB3A233A118}" type="datetimeFigureOut">
               <a:rPr lang="en-US" smtClean="0"/>
-              <a:t>10/17/23</a:t>
+              <a:t>12/3/23</a:t>
             </a:fld>
             <a:endParaRPr lang="en-US"/>
           </a:p>
@@ -681,7 +684,7 @@
           <a:p>
             <a:fld id="{F2078815-F99C-0043-8A65-8CB3A233A118}" type="datetimeFigureOut">
               <a:rPr lang="en-US" smtClean="0"/>
-              <a:t>10/17/23</a:t>
+              <a:t>12/3/23</a:t>
             </a:fld>
             <a:endParaRPr lang="en-US"/>
           </a:p>
@@ -879,7 +882,7 @@
           <a:p>
             <a:fld id="{F2078815-F99C-0043-8A65-8CB3A233A118}" type="datetimeFigureOut">
               <a:rPr lang="en-US" smtClean="0"/>
-              <a:t>10/17/23</a:t>
+              <a:t>12/3/23</a:t>
             </a:fld>
             <a:endParaRPr lang="en-US"/>
           </a:p>
@@ -1154,7 +1157,7 @@
           <a:p>
             <a:fld id="{F2078815-F99C-0043-8A65-8CB3A233A118}" type="datetimeFigureOut">
               <a:rPr lang="en-US" smtClean="0"/>
-              <a:t>10/17/23</a:t>
+              <a:t>12/3/23</a:t>
             </a:fld>
             <a:endParaRPr lang="en-US"/>
           </a:p>
@@ -1419,7 +1422,7 @@
           <a:p>
             <a:fld id="{F2078815-F99C-0043-8A65-8CB3A233A118}" type="datetimeFigureOut">
               <a:rPr lang="en-US" smtClean="0"/>
-              <a:t>10/17/23</a:t>
+              <a:t>12/3/23</a:t>
             </a:fld>
             <a:endParaRPr lang="en-US"/>
           </a:p>
@@ -1831,7 +1834,7 @@
           <a:p>
             <a:fld id="{F2078815-F99C-0043-8A65-8CB3A233A118}" type="datetimeFigureOut">
               <a:rPr lang="en-US" smtClean="0"/>
-              <a:t>10/17/23</a:t>
+              <a:t>12/3/23</a:t>
             </a:fld>
             <a:endParaRPr lang="en-US"/>
           </a:p>
@@ -1972,7 +1975,7 @@
           <a:p>
             <a:fld id="{F2078815-F99C-0043-8A65-8CB3A233A118}" type="datetimeFigureOut">
               <a:rPr lang="en-US" smtClean="0"/>
-              <a:t>10/17/23</a:t>
+              <a:t>12/3/23</a:t>
             </a:fld>
             <a:endParaRPr lang="en-US"/>
           </a:p>
@@ -2085,7 +2088,7 @@
           <a:p>
             <a:fld id="{F2078815-F99C-0043-8A65-8CB3A233A118}" type="datetimeFigureOut">
               <a:rPr lang="en-US" smtClean="0"/>
-              <a:t>10/17/23</a:t>
+              <a:t>12/3/23</a:t>
             </a:fld>
             <a:endParaRPr lang="en-US"/>
           </a:p>
@@ -2396,7 +2399,7 @@
           <a:p>
             <a:fld id="{F2078815-F99C-0043-8A65-8CB3A233A118}" type="datetimeFigureOut">
               <a:rPr lang="en-US" smtClean="0"/>
-              <a:t>10/17/23</a:t>
+              <a:t>12/3/23</a:t>
             </a:fld>
             <a:endParaRPr lang="en-US"/>
           </a:p>
@@ -2684,7 +2687,7 @@
           <a:p>
             <a:fld id="{F2078815-F99C-0043-8A65-8CB3A233A118}" type="datetimeFigureOut">
               <a:rPr lang="en-US" smtClean="0"/>
-              <a:t>10/17/23</a:t>
+              <a:t>12/3/23</a:t>
             </a:fld>
             <a:endParaRPr lang="en-US"/>
           </a:p>
@@ -2925,7 +2928,7 @@
           <a:p>
             <a:fld id="{F2078815-F99C-0043-8A65-8CB3A233A118}" type="datetimeFigureOut">
               <a:rPr lang="en-US" smtClean="0"/>
-              <a:t>10/17/23</a:t>
+              <a:t>12/3/23</a:t>
             </a:fld>
             <a:endParaRPr lang="en-US"/>
           </a:p>
@@ -3456,7 +3459,7 @@
           <a:p>
             <a:r>
               <a:rPr lang="en-US" dirty="0"/>
-              <a:t>Question 6</a:t>
+              <a:t>Question 7</a:t>
             </a:r>
           </a:p>
         </p:txBody>
@@ -3582,8 +3585,8 @@
         </p:nvSpPr>
         <p:spPr>
           <a:xfrm>
-            <a:off x="2027581" y="2919873"/>
-            <a:ext cx="1417984" cy="461665"/>
+            <a:off x="2027580" y="2919873"/>
+            <a:ext cx="2248585" cy="461665"/>
           </a:xfrm>
           <a:prstGeom prst="rect">
             <a:avLst/>
@@ -3598,7 +3601,7 @@
           <a:p>
             <a:r>
               <a:rPr lang="en-US" sz="2400" dirty="0"/>
-              <a:t>Thinking</a:t>
+              <a:t>“I hate Change”</a:t>
             </a:r>
           </a:p>
         </p:txBody>
@@ -3617,8 +3620,8 @@
         </p:nvSpPr>
         <p:spPr>
           <a:xfrm>
-            <a:off x="8746436" y="2943604"/>
-            <a:ext cx="1285460" cy="461665"/>
+            <a:off x="7915837" y="2943604"/>
+            <a:ext cx="2116059" cy="461665"/>
           </a:xfrm>
           <a:prstGeom prst="rect">
             <a:avLst/>
@@ -3633,7 +3636,7 @@
           <a:p>
             <a:r>
               <a:rPr lang="en-US" sz="2400" dirty="0"/>
-              <a:t>Feeling</a:t>
+              <a:t>“I love change”</a:t>
             </a:r>
           </a:p>
         </p:txBody>
@@ -3641,7 +3644,7 @@
     </p:spTree>
     <p:extLst>
       <p:ext uri="{BB962C8B-B14F-4D97-AF65-F5344CB8AC3E}">
-        <p14:creationId xmlns:p14="http://schemas.microsoft.com/office/powerpoint/2010/main" val="2137071288"/>
+        <p14:creationId xmlns:p14="http://schemas.microsoft.com/office/powerpoint/2010/main" val="519045901"/>
       </p:ext>
     </p:extLst>
   </p:cSld>
@@ -3691,7 +3694,7 @@
           <a:p>
             <a:r>
               <a:rPr lang="en-US" dirty="0"/>
-              <a:t>Question 7</a:t>
+              <a:t>Question 8</a:t>
             </a:r>
           </a:p>
         </p:txBody>
@@ -3818,7 +3821,7 @@
         <p:spPr>
           <a:xfrm>
             <a:off x="2027580" y="2919873"/>
-            <a:ext cx="2248585" cy="461665"/>
+            <a:ext cx="1245707" cy="461665"/>
           </a:xfrm>
           <a:prstGeom prst="rect">
             <a:avLst/>
@@ -3833,7 +3836,7 @@
           <a:p>
             <a:r>
               <a:rPr lang="en-US" sz="2400" dirty="0"/>
-              <a:t>“I hate Change”</a:t>
+              <a:t>Insecure</a:t>
             </a:r>
           </a:p>
         </p:txBody>
@@ -3852,8 +3855,8 @@
         </p:nvSpPr>
         <p:spPr>
           <a:xfrm>
-            <a:off x="7915837" y="2943604"/>
-            <a:ext cx="2116059" cy="461665"/>
+            <a:off x="8534402" y="2943604"/>
+            <a:ext cx="1630016" cy="461665"/>
           </a:xfrm>
           <a:prstGeom prst="rect">
             <a:avLst/>
@@ -3868,7 +3871,7 @@
           <a:p>
             <a:r>
               <a:rPr lang="en-US" sz="2400" dirty="0"/>
-              <a:t>“I love change”</a:t>
+              <a:t>Confident</a:t>
             </a:r>
           </a:p>
         </p:txBody>
@@ -3876,7 +3879,7 @@
     </p:spTree>
     <p:extLst>
       <p:ext uri="{BB962C8B-B14F-4D97-AF65-F5344CB8AC3E}">
-        <p14:creationId xmlns:p14="http://schemas.microsoft.com/office/powerpoint/2010/main" val="519045901"/>
+        <p14:creationId xmlns:p14="http://schemas.microsoft.com/office/powerpoint/2010/main" val="2840776071"/>
       </p:ext>
     </p:extLst>
   </p:cSld>
@@ -3926,7 +3929,7 @@
           <a:p>
             <a:r>
               <a:rPr lang="en-US" dirty="0"/>
-              <a:t>Question 8</a:t>
+              <a:t>Question 9</a:t>
             </a:r>
           </a:p>
         </p:txBody>
@@ -4053,7 +4056,7 @@
         <p:spPr>
           <a:xfrm>
             <a:off x="2027580" y="2919873"/>
-            <a:ext cx="1245707" cy="461665"/>
+            <a:ext cx="3028514" cy="461665"/>
           </a:xfrm>
           <a:prstGeom prst="rect">
             <a:avLst/>
@@ -4068,7 +4071,7 @@
           <a:p>
             <a:r>
               <a:rPr lang="en-US" sz="2400" dirty="0"/>
-              <a:t>Insecure</a:t>
+              <a:t>Unreliable</a:t>
             </a:r>
           </a:p>
         </p:txBody>
@@ -4103,7 +4106,7 @@
           <a:p>
             <a:r>
               <a:rPr lang="en-US" sz="2400" dirty="0"/>
-              <a:t>Confident</a:t>
+              <a:t>Reliable</a:t>
             </a:r>
           </a:p>
         </p:txBody>
@@ -4111,7 +4114,7 @@
     </p:spTree>
     <p:extLst>
       <p:ext uri="{BB962C8B-B14F-4D97-AF65-F5344CB8AC3E}">
-        <p14:creationId xmlns:p14="http://schemas.microsoft.com/office/powerpoint/2010/main" val="2840776071"/>
+        <p14:creationId xmlns:p14="http://schemas.microsoft.com/office/powerpoint/2010/main" val="1423083654"/>
       </p:ext>
     </p:extLst>
   </p:cSld>
@@ -4161,7 +4164,7 @@
           <a:p>
             <a:r>
               <a:rPr lang="en-US" dirty="0"/>
-              <a:t>Question 9</a:t>
+              <a:t>Question 10</a:t>
             </a:r>
           </a:p>
         </p:txBody>
@@ -4288,7 +4291,7 @@
         <p:spPr>
           <a:xfrm>
             <a:off x="2027580" y="2919873"/>
-            <a:ext cx="3028514" cy="461665"/>
+            <a:ext cx="1921568" cy="461665"/>
           </a:xfrm>
           <a:prstGeom prst="rect">
             <a:avLst/>
@@ -4303,7 +4306,7 @@
           <a:p>
             <a:r>
               <a:rPr lang="en-US" sz="2400" dirty="0"/>
-              <a:t>Unreliable</a:t>
+              <a:t>Half-Empty</a:t>
             </a:r>
           </a:p>
         </p:txBody>
@@ -4338,7 +4341,7 @@
           <a:p>
             <a:r>
               <a:rPr lang="en-US" sz="2400" dirty="0"/>
-              <a:t>Reliable</a:t>
+              <a:t>Half-Full</a:t>
             </a:r>
           </a:p>
         </p:txBody>
@@ -4346,7 +4349,7 @@
     </p:spTree>
     <p:extLst>
       <p:ext uri="{BB962C8B-B14F-4D97-AF65-F5344CB8AC3E}">
-        <p14:creationId xmlns:p14="http://schemas.microsoft.com/office/powerpoint/2010/main" val="1423083654"/>
+        <p14:creationId xmlns:p14="http://schemas.microsoft.com/office/powerpoint/2010/main" val="2907095558"/>
       </p:ext>
     </p:extLst>
   </p:cSld>
@@ -4396,7 +4399,7 @@
           <a:p>
             <a:r>
               <a:rPr lang="en-US" dirty="0"/>
-              <a:t>Question 10</a:t>
+              <a:t>Question 11</a:t>
             </a:r>
           </a:p>
         </p:txBody>
@@ -4522,8 +4525,8 @@
         </p:nvSpPr>
         <p:spPr>
           <a:xfrm>
-            <a:off x="2027580" y="2919873"/>
-            <a:ext cx="1921568" cy="461665"/>
+            <a:off x="2027579" y="2919873"/>
+            <a:ext cx="2623933" cy="461665"/>
           </a:xfrm>
           <a:prstGeom prst="rect">
             <a:avLst/>
@@ -4538,7 +4541,7 @@
           <a:p>
             <a:r>
               <a:rPr lang="en-US" sz="2400" dirty="0"/>
-              <a:t>Half-Empty</a:t>
+              <a:t>Serious</a:t>
             </a:r>
           </a:p>
         </p:txBody>
@@ -4557,8 +4560,8 @@
         </p:nvSpPr>
         <p:spPr>
           <a:xfrm>
-            <a:off x="8534402" y="2943604"/>
-            <a:ext cx="1630016" cy="461665"/>
+            <a:off x="7345019" y="2924268"/>
+            <a:ext cx="2819399" cy="461665"/>
           </a:xfrm>
           <a:prstGeom prst="rect">
             <a:avLst/>
@@ -4573,7 +4576,7 @@
           <a:p>
             <a:r>
               <a:rPr lang="en-US" sz="2400" dirty="0"/>
-              <a:t>Half-Full</a:t>
+              <a:t>Hilarious/Comedian</a:t>
             </a:r>
           </a:p>
         </p:txBody>
@@ -4581,7 +4584,7 @@
     </p:spTree>
     <p:extLst>
       <p:ext uri="{BB962C8B-B14F-4D97-AF65-F5344CB8AC3E}">
-        <p14:creationId xmlns:p14="http://schemas.microsoft.com/office/powerpoint/2010/main" val="2907095558"/>
+        <p14:creationId xmlns:p14="http://schemas.microsoft.com/office/powerpoint/2010/main" val="1850861623"/>
       </p:ext>
     </p:extLst>
   </p:cSld>
@@ -4631,7 +4634,7 @@
           <a:p>
             <a:r>
               <a:rPr lang="en-US" dirty="0"/>
-              <a:t>Question 11</a:t>
+              <a:t>Question 12</a:t>
             </a:r>
           </a:p>
         </p:txBody>
@@ -4773,7 +4776,7 @@
           <a:p>
             <a:r>
               <a:rPr lang="en-US" sz="2400" dirty="0"/>
-              <a:t>Serious</a:t>
+              <a:t>Content</a:t>
             </a:r>
           </a:p>
         </p:txBody>
@@ -4792,8 +4795,8 @@
         </p:nvSpPr>
         <p:spPr>
           <a:xfrm>
-            <a:off x="7345019" y="2924268"/>
-            <a:ext cx="2819399" cy="461665"/>
+            <a:off x="8497958" y="2919872"/>
+            <a:ext cx="1507433" cy="461665"/>
           </a:xfrm>
           <a:prstGeom prst="rect">
             <a:avLst/>
@@ -4808,7 +4811,7 @@
           <a:p>
             <a:r>
               <a:rPr lang="en-US" sz="2400" dirty="0"/>
-              <a:t>Hilarious/Comedian</a:t>
+              <a:t>Ambitious</a:t>
             </a:r>
           </a:p>
         </p:txBody>
@@ -4816,7 +4819,7 @@
     </p:spTree>
     <p:extLst>
       <p:ext uri="{BB962C8B-B14F-4D97-AF65-F5344CB8AC3E}">
-        <p14:creationId xmlns:p14="http://schemas.microsoft.com/office/powerpoint/2010/main" val="1850861623"/>
+        <p14:creationId xmlns:p14="http://schemas.microsoft.com/office/powerpoint/2010/main" val="3457640262"/>
       </p:ext>
     </p:extLst>
   </p:cSld>
@@ -4866,7 +4869,7 @@
           <a:p>
             <a:r>
               <a:rPr lang="en-US" dirty="0"/>
-              <a:t>Question 12</a:t>
+              <a:t>Question 13</a:t>
             </a:r>
           </a:p>
         </p:txBody>
@@ -5008,7 +5011,7 @@
           <a:p>
             <a:r>
               <a:rPr lang="en-US" sz="2400" dirty="0"/>
-              <a:t>Content</a:t>
+              <a:t>Cooperative</a:t>
             </a:r>
           </a:p>
         </p:txBody>
@@ -5027,8 +5030,8 @@
         </p:nvSpPr>
         <p:spPr>
           <a:xfrm>
-            <a:off x="8497958" y="2919872"/>
-            <a:ext cx="1507433" cy="461665"/>
+            <a:off x="8259419" y="2919872"/>
+            <a:ext cx="2090529" cy="461665"/>
           </a:xfrm>
           <a:prstGeom prst="rect">
             <a:avLst/>
@@ -5043,7 +5046,7 @@
           <a:p>
             <a:r>
               <a:rPr lang="en-US" sz="2400" dirty="0"/>
-              <a:t>Ambitious</a:t>
+              <a:t>Competitive</a:t>
             </a:r>
           </a:p>
         </p:txBody>
@@ -5051,7 +5054,7 @@
     </p:spTree>
     <p:extLst>
       <p:ext uri="{BB962C8B-B14F-4D97-AF65-F5344CB8AC3E}">
-        <p14:creationId xmlns:p14="http://schemas.microsoft.com/office/powerpoint/2010/main" val="3457640262"/>
+        <p14:creationId xmlns:p14="http://schemas.microsoft.com/office/powerpoint/2010/main" val="952609691"/>
       </p:ext>
     </p:extLst>
   </p:cSld>
@@ -5101,7 +5104,7 @@
           <a:p>
             <a:r>
               <a:rPr lang="en-US" dirty="0"/>
-              <a:t>Question 13</a:t>
+              <a:t>Question 14</a:t>
             </a:r>
           </a:p>
         </p:txBody>
@@ -5243,7 +5246,7 @@
           <a:p>
             <a:r>
               <a:rPr lang="en-US" sz="2400" dirty="0"/>
-              <a:t>Cooperative</a:t>
+              <a:t>Night Owl</a:t>
             </a:r>
           </a:p>
         </p:txBody>
@@ -5262,8 +5265,8 @@
         </p:nvSpPr>
         <p:spPr>
           <a:xfrm>
-            <a:off x="8259419" y="2919872"/>
-            <a:ext cx="2090529" cy="461665"/>
+            <a:off x="8617230" y="2919872"/>
+            <a:ext cx="1520685" cy="461665"/>
           </a:xfrm>
           <a:prstGeom prst="rect">
             <a:avLst/>
@@ -5278,7 +5281,7 @@
           <a:p>
             <a:r>
               <a:rPr lang="en-US" sz="2400" dirty="0"/>
-              <a:t>Competitive</a:t>
+              <a:t>Early Bird</a:t>
             </a:r>
           </a:p>
         </p:txBody>
@@ -5286,7 +5289,7 @@
     </p:spTree>
     <p:extLst>
       <p:ext uri="{BB962C8B-B14F-4D97-AF65-F5344CB8AC3E}">
-        <p14:creationId xmlns:p14="http://schemas.microsoft.com/office/powerpoint/2010/main" val="952609691"/>
+        <p14:creationId xmlns:p14="http://schemas.microsoft.com/office/powerpoint/2010/main" val="2734021064"/>
       </p:ext>
     </p:extLst>
   </p:cSld>
@@ -5336,7 +5339,7 @@
           <a:p>
             <a:r>
               <a:rPr lang="en-US" dirty="0"/>
-              <a:t>Question 14</a:t>
+              <a:t>Question 15</a:t>
             </a:r>
           </a:p>
         </p:txBody>
@@ -5478,7 +5481,7 @@
           <a:p>
             <a:r>
               <a:rPr lang="en-US" sz="2400" dirty="0"/>
-              <a:t>Night Owl</a:t>
+              <a:t>Realist</a:t>
             </a:r>
           </a:p>
         </p:txBody>
@@ -5513,7 +5516,7 @@
           <a:p>
             <a:r>
               <a:rPr lang="en-US" sz="2400" dirty="0"/>
-              <a:t>Early Bird</a:t>
+              <a:t>Idealist</a:t>
             </a:r>
           </a:p>
         </p:txBody>
@@ -5521,7 +5524,7 @@
     </p:spTree>
     <p:extLst>
       <p:ext uri="{BB962C8B-B14F-4D97-AF65-F5344CB8AC3E}">
-        <p14:creationId xmlns:p14="http://schemas.microsoft.com/office/powerpoint/2010/main" val="2734021064"/>
+        <p14:creationId xmlns:p14="http://schemas.microsoft.com/office/powerpoint/2010/main" val="280625465"/>
       </p:ext>
     </p:extLst>
   </p:cSld>
@@ -5571,7 +5574,7 @@
           <a:p>
             <a:r>
               <a:rPr lang="en-US" dirty="0"/>
-              <a:t>Question 15</a:t>
+              <a:t>Question 16</a:t>
             </a:r>
           </a:p>
         </p:txBody>
@@ -5713,7 +5716,7 @@
           <a:p>
             <a:r>
               <a:rPr lang="en-US" sz="2400" dirty="0"/>
-              <a:t>Realist</a:t>
+              <a:t>Stressed</a:t>
             </a:r>
           </a:p>
         </p:txBody>
@@ -5732,8 +5735,8 @@
         </p:nvSpPr>
         <p:spPr>
           <a:xfrm>
-            <a:off x="8617230" y="2919872"/>
-            <a:ext cx="1520685" cy="461665"/>
+            <a:off x="8767482" y="2937520"/>
+            <a:ext cx="1396936" cy="461665"/>
           </a:xfrm>
           <a:prstGeom prst="rect">
             <a:avLst/>
@@ -5748,7 +5751,7 @@
           <a:p>
             <a:r>
               <a:rPr lang="en-US" sz="2400" dirty="0"/>
-              <a:t>Idealist</a:t>
+              <a:t>Relaxed</a:t>
             </a:r>
           </a:p>
         </p:txBody>
@@ -5756,7 +5759,7 @@
     </p:spTree>
     <p:extLst>
       <p:ext uri="{BB962C8B-B14F-4D97-AF65-F5344CB8AC3E}">
-        <p14:creationId xmlns:p14="http://schemas.microsoft.com/office/powerpoint/2010/main" val="280625465"/>
+        <p14:creationId xmlns:p14="http://schemas.microsoft.com/office/powerpoint/2010/main" val="2780115472"/>
       </p:ext>
     </p:extLst>
   </p:cSld>
@@ -5906,241 +5909,6 @@
           <p:cNvPr id="2" name="Title 1">
             <a:extLst>
               <a:ext uri="{FF2B5EF4-FFF2-40B4-BE49-F238E27FC236}">
-                <a16:creationId xmlns:a16="http://schemas.microsoft.com/office/drawing/2014/main" id="{CAA03238-51A2-308C-11A4-C641D574CC8D}"/>
-              </a:ext>
-            </a:extLst>
-          </p:cNvPr>
-          <p:cNvSpPr>
-            <a:spLocks noGrp="1"/>
-          </p:cNvSpPr>
-          <p:nvPr>
-            <p:ph type="title"/>
-          </p:nvPr>
-        </p:nvSpPr>
-        <p:spPr/>
-        <p:txBody>
-          <a:bodyPr/>
-          <a:lstStyle/>
-          <a:p>
-            <a:r>
-              <a:rPr lang="en-US" dirty="0"/>
-              <a:t>Question 16</a:t>
-            </a:r>
-          </a:p>
-        </p:txBody>
-      </p:sp>
-      <p:cxnSp>
-        <p:nvCxnSpPr>
-          <p:cNvPr id="5" name="Straight Connector 4">
-            <a:extLst>
-              <a:ext uri="{FF2B5EF4-FFF2-40B4-BE49-F238E27FC236}">
-                <a16:creationId xmlns:a16="http://schemas.microsoft.com/office/drawing/2014/main" id="{8ADDC692-FFD9-4B2D-13B8-5C368B6E2801}"/>
-              </a:ext>
-            </a:extLst>
-          </p:cNvPr>
-          <p:cNvCxnSpPr/>
-          <p:nvPr/>
-        </p:nvCxnSpPr>
-        <p:spPr>
-          <a:xfrm>
-            <a:off x="2133600" y="3429000"/>
-            <a:ext cx="7739270" cy="0"/>
-          </a:xfrm>
-          <a:prstGeom prst="line">
-            <a:avLst/>
-          </a:prstGeom>
-          <a:ln w="50800"/>
-        </p:spPr>
-        <p:style>
-          <a:lnRef idx="1">
-            <a:schemeClr val="accent1"/>
-          </a:lnRef>
-          <a:fillRef idx="0">
-            <a:schemeClr val="accent1"/>
-          </a:fillRef>
-          <a:effectRef idx="0">
-            <a:schemeClr val="accent1"/>
-          </a:effectRef>
-          <a:fontRef idx="minor">
-            <a:schemeClr val="tx1"/>
-          </a:fontRef>
-        </p:style>
-      </p:cxnSp>
-      <p:sp>
-        <p:nvSpPr>
-          <p:cNvPr id="6" name="TextBox 5">
-            <a:extLst>
-              <a:ext uri="{FF2B5EF4-FFF2-40B4-BE49-F238E27FC236}">
-                <a16:creationId xmlns:a16="http://schemas.microsoft.com/office/drawing/2014/main" id="{C8E9DC17-CCE7-7D30-4F84-059C3DE59E40}"/>
-              </a:ext>
-            </a:extLst>
-          </p:cNvPr>
-          <p:cNvSpPr txBox="1"/>
-          <p:nvPr/>
-        </p:nvSpPr>
-        <p:spPr>
-          <a:xfrm>
-            <a:off x="2027582" y="3431232"/>
-            <a:ext cx="450574" cy="461665"/>
-          </a:xfrm>
-          <a:prstGeom prst="rect">
-            <a:avLst/>
-          </a:prstGeom>
-          <a:noFill/>
-        </p:spPr>
-        <p:txBody>
-          <a:bodyPr wrap="square" rtlCol="0">
-            <a:spAutoFit/>
-          </a:bodyPr>
-          <a:lstStyle/>
-          <a:p>
-            <a:r>
-              <a:rPr lang="en-US" sz="2400" dirty="0"/>
-              <a:t>1</a:t>
-            </a:r>
-          </a:p>
-        </p:txBody>
-      </p:sp>
-      <p:sp>
-        <p:nvSpPr>
-          <p:cNvPr id="7" name="TextBox 6">
-            <a:extLst>
-              <a:ext uri="{FF2B5EF4-FFF2-40B4-BE49-F238E27FC236}">
-                <a16:creationId xmlns:a16="http://schemas.microsoft.com/office/drawing/2014/main" id="{6AA4D992-E1F8-FCA2-4B34-CC334E4379E0}"/>
-              </a:ext>
-            </a:extLst>
-          </p:cNvPr>
-          <p:cNvSpPr txBox="1"/>
-          <p:nvPr/>
-        </p:nvSpPr>
-        <p:spPr>
-          <a:xfrm>
-            <a:off x="9515062" y="3429000"/>
-            <a:ext cx="649356" cy="461665"/>
-          </a:xfrm>
-          <a:prstGeom prst="rect">
-            <a:avLst/>
-          </a:prstGeom>
-          <a:noFill/>
-        </p:spPr>
-        <p:txBody>
-          <a:bodyPr wrap="square" rtlCol="0">
-            <a:spAutoFit/>
-          </a:bodyPr>
-          <a:lstStyle/>
-          <a:p>
-            <a:r>
-              <a:rPr lang="en-US" sz="2400" dirty="0"/>
-              <a:t>10</a:t>
-            </a:r>
-          </a:p>
-        </p:txBody>
-      </p:sp>
-      <p:sp>
-        <p:nvSpPr>
-          <p:cNvPr id="8" name="TextBox 7">
-            <a:extLst>
-              <a:ext uri="{FF2B5EF4-FFF2-40B4-BE49-F238E27FC236}">
-                <a16:creationId xmlns:a16="http://schemas.microsoft.com/office/drawing/2014/main" id="{85E2FB65-4E36-2C11-388D-F0F45AEE3BBF}"/>
-              </a:ext>
-            </a:extLst>
-          </p:cNvPr>
-          <p:cNvSpPr txBox="1"/>
-          <p:nvPr/>
-        </p:nvSpPr>
-        <p:spPr>
-          <a:xfrm>
-            <a:off x="2027579" y="2919873"/>
-            <a:ext cx="2623933" cy="461665"/>
-          </a:xfrm>
-          <a:prstGeom prst="rect">
-            <a:avLst/>
-          </a:prstGeom>
-          <a:noFill/>
-        </p:spPr>
-        <p:txBody>
-          <a:bodyPr wrap="square" rtlCol="0">
-            <a:spAutoFit/>
-          </a:bodyPr>
-          <a:lstStyle/>
-          <a:p>
-            <a:r>
-              <a:rPr lang="en-US" sz="2400" dirty="0"/>
-              <a:t>Stressed</a:t>
-            </a:r>
-          </a:p>
-        </p:txBody>
-      </p:sp>
-      <p:sp>
-        <p:nvSpPr>
-          <p:cNvPr id="9" name="TextBox 8">
-            <a:extLst>
-              <a:ext uri="{FF2B5EF4-FFF2-40B4-BE49-F238E27FC236}">
-                <a16:creationId xmlns:a16="http://schemas.microsoft.com/office/drawing/2014/main" id="{D56E121A-2721-7995-1913-FF25BEB6238C}"/>
-              </a:ext>
-            </a:extLst>
-          </p:cNvPr>
-          <p:cNvSpPr txBox="1"/>
-          <p:nvPr/>
-        </p:nvSpPr>
-        <p:spPr>
-          <a:xfrm>
-            <a:off x="8767482" y="2937520"/>
-            <a:ext cx="1396936" cy="461665"/>
-          </a:xfrm>
-          <a:prstGeom prst="rect">
-            <a:avLst/>
-          </a:prstGeom>
-          <a:noFill/>
-        </p:spPr>
-        <p:txBody>
-          <a:bodyPr wrap="square" rtlCol="0">
-            <a:spAutoFit/>
-          </a:bodyPr>
-          <a:lstStyle/>
-          <a:p>
-            <a:r>
-              <a:rPr lang="en-US" sz="2400" dirty="0"/>
-              <a:t>Relaxed</a:t>
-            </a:r>
-          </a:p>
-        </p:txBody>
-      </p:sp>
-    </p:spTree>
-    <p:extLst>
-      <p:ext uri="{BB962C8B-B14F-4D97-AF65-F5344CB8AC3E}">
-        <p14:creationId xmlns:p14="http://schemas.microsoft.com/office/powerpoint/2010/main" val="2780115472"/>
-      </p:ext>
-    </p:extLst>
-  </p:cSld>
-  <p:clrMapOvr>
-    <a:masterClrMapping/>
-  </p:clrMapOvr>
-</p:sld>
-</file>
-
-<file path=ppt/slides/slide21.xml><?xml version="1.0" encoding="utf-8"?>
-<p:sld xmlns:a="http://schemas.openxmlformats.org/drawingml/2006/main" xmlns:r="http://schemas.openxmlformats.org/officeDocument/2006/relationships" xmlns:p="http://schemas.openxmlformats.org/presentationml/2006/main">
-  <p:cSld>
-    <p:spTree>
-      <p:nvGrpSpPr>
-        <p:cNvPr id="1" name=""/>
-        <p:cNvGrpSpPr/>
-        <p:nvPr/>
-      </p:nvGrpSpPr>
-      <p:grpSpPr>
-        <a:xfrm>
-          <a:off x="0" y="0"/>
-          <a:ext cx="0" cy="0"/>
-          <a:chOff x="0" y="0"/>
-          <a:chExt cx="0" cy="0"/>
-        </a:xfrm>
-      </p:grpSpPr>
-      <p:sp>
-        <p:nvSpPr>
-          <p:cNvPr id="2" name="Title 1">
-            <a:extLst>
-              <a:ext uri="{FF2B5EF4-FFF2-40B4-BE49-F238E27FC236}">
                 <a16:creationId xmlns:a16="http://schemas.microsoft.com/office/drawing/2014/main" id="{EFC25B67-7A7C-3E86-EE6F-45CC2CCA2AA2}"/>
               </a:ext>
             </a:extLst>
@@ -6229,118 +5997,6 @@
     <p:extLst>
       <p:ext uri="{BB962C8B-B14F-4D97-AF65-F5344CB8AC3E}">
         <p14:creationId xmlns:p14="http://schemas.microsoft.com/office/powerpoint/2010/main" val="3124665938"/>
-      </p:ext>
-    </p:extLst>
-  </p:cSld>
-  <p:clrMapOvr>
-    <a:masterClrMapping/>
-  </p:clrMapOvr>
-</p:sld>
-</file>
-
-<file path=ppt/slides/slide22.xml><?xml version="1.0" encoding="utf-8"?>
-<p:sld xmlns:a="http://schemas.openxmlformats.org/drawingml/2006/main" xmlns:r="http://schemas.openxmlformats.org/officeDocument/2006/relationships" xmlns:p="http://schemas.openxmlformats.org/presentationml/2006/main">
-  <p:cSld>
-    <p:spTree>
-      <p:nvGrpSpPr>
-        <p:cNvPr id="1" name=""/>
-        <p:cNvGrpSpPr/>
-        <p:nvPr/>
-      </p:nvGrpSpPr>
-      <p:grpSpPr>
-        <a:xfrm>
-          <a:off x="0" y="0"/>
-          <a:ext cx="0" cy="0"/>
-          <a:chOff x="0" y="0"/>
-          <a:chExt cx="0" cy="0"/>
-        </a:xfrm>
-      </p:grpSpPr>
-      <p:sp>
-        <p:nvSpPr>
-          <p:cNvPr id="2" name="Title 1">
-            <a:extLst>
-              <a:ext uri="{FF2B5EF4-FFF2-40B4-BE49-F238E27FC236}">
-                <a16:creationId xmlns:a16="http://schemas.microsoft.com/office/drawing/2014/main" id="{034095FD-0F56-7075-469C-DAF44298851F}"/>
-              </a:ext>
-            </a:extLst>
-          </p:cNvPr>
-          <p:cNvSpPr>
-            <a:spLocks noGrp="1"/>
-          </p:cNvSpPr>
-          <p:nvPr>
-            <p:ph type="title"/>
-          </p:nvPr>
-        </p:nvSpPr>
-        <p:spPr/>
-        <p:txBody>
-          <a:bodyPr/>
-          <a:lstStyle/>
-          <a:p>
-            <a:r>
-              <a:rPr lang="en-US" dirty="0"/>
-              <a:t>Conclusion</a:t>
-            </a:r>
-          </a:p>
-        </p:txBody>
-      </p:sp>
-      <p:sp>
-        <p:nvSpPr>
-          <p:cNvPr id="3" name="Content Placeholder 2">
-            <a:extLst>
-              <a:ext uri="{FF2B5EF4-FFF2-40B4-BE49-F238E27FC236}">
-                <a16:creationId xmlns:a16="http://schemas.microsoft.com/office/drawing/2014/main" id="{521EC64C-2D72-4BD5-4B48-67F9EB168429}"/>
-              </a:ext>
-            </a:extLst>
-          </p:cNvPr>
-          <p:cNvSpPr>
-            <a:spLocks noGrp="1"/>
-          </p:cNvSpPr>
-          <p:nvPr>
-            <p:ph idx="1"/>
-          </p:nvPr>
-        </p:nvSpPr>
-        <p:spPr/>
-        <p:txBody>
-          <a:bodyPr/>
-          <a:lstStyle/>
-          <a:p>
-            <a:r>
-              <a:rPr lang="en-US" dirty="0"/>
-              <a:t>Thank you for participating in the survey</a:t>
-            </a:r>
-          </a:p>
-          <a:p>
-            <a:r>
-              <a:rPr lang="en-US" dirty="0"/>
-              <a:t>This was a simple instantiation, but similarity measures are used in web </a:t>
-            </a:r>
-            <a:r>
-              <a:rPr lang="en-US" dirty="0" err="1"/>
-              <a:t>retrival</a:t>
-            </a:r>
-            <a:r>
-              <a:rPr lang="en-US" dirty="0"/>
-              <a:t> (Google Search) and Spotify and Netflix recommendations</a:t>
-            </a:r>
-          </a:p>
-          <a:p>
-            <a:r>
-              <a:rPr lang="en-US" dirty="0"/>
-              <a:t>I hope you learn how linear algebra, computer science, and artificial intelligence are embedded in our life without us even realizing it</a:t>
-            </a:r>
-          </a:p>
-          <a:p>
-            <a:r>
-              <a:rPr lang="en-US" dirty="0"/>
-              <a:t>Bye</a:t>
-            </a:r>
-          </a:p>
-        </p:txBody>
-      </p:sp>
-    </p:spTree>
-    <p:extLst>
-      <p:ext uri="{BB962C8B-B14F-4D97-AF65-F5344CB8AC3E}">
-        <p14:creationId xmlns:p14="http://schemas.microsoft.com/office/powerpoint/2010/main" val="2984201315"/>
       </p:ext>
     </p:extLst>
   </p:cSld>
@@ -6509,130 +6165,215 @@
           <a:chExt cx="0" cy="0"/>
         </a:xfrm>
       </p:grpSpPr>
-      <p:pic>
-        <p:nvPicPr>
-          <p:cNvPr id="4" name="Picture 3" descr="A blue and white line&#10;&#10;Description automatically generated">
-            <a:extLst>
-              <a:ext uri="{FF2B5EF4-FFF2-40B4-BE49-F238E27FC236}">
-                <a16:creationId xmlns:a16="http://schemas.microsoft.com/office/drawing/2014/main" id="{91721A02-74E9-D801-82EB-362B568DA1A8}"/>
-              </a:ext>
-            </a:extLst>
-          </p:cNvPr>
-          <p:cNvPicPr>
-            <a:picLocks noChangeAspect="1"/>
-          </p:cNvPicPr>
-          <p:nvPr/>
-        </p:nvPicPr>
-        <p:blipFill>
-          <a:blip r:embed="rId2"/>
-          <a:stretch>
-            <a:fillRect/>
-          </a:stretch>
-        </p:blipFill>
-        <p:spPr>
-          <a:xfrm>
-            <a:off x="2652806" y="294253"/>
-            <a:ext cx="5918200" cy="1181100"/>
+      <p:sp>
+        <p:nvSpPr>
+          <p:cNvPr id="2" name="Title 1">
+            <a:extLst>
+              <a:ext uri="{FF2B5EF4-FFF2-40B4-BE49-F238E27FC236}">
+                <a16:creationId xmlns:a16="http://schemas.microsoft.com/office/drawing/2014/main" id="{CAA03238-51A2-308C-11A4-C641D574CC8D}"/>
+              </a:ext>
+            </a:extLst>
+          </p:cNvPr>
+          <p:cNvSpPr>
+            <a:spLocks noGrp="1"/>
+          </p:cNvSpPr>
+          <p:nvPr>
+            <p:ph type="title"/>
+          </p:nvPr>
+        </p:nvSpPr>
+        <p:spPr/>
+        <p:txBody>
+          <a:bodyPr/>
+          <a:lstStyle/>
+          <a:p>
+            <a:r>
+              <a:rPr lang="en-US" dirty="0"/>
+              <a:t>Question 1</a:t>
+            </a:r>
+          </a:p>
+        </p:txBody>
+      </p:sp>
+      <p:cxnSp>
+        <p:nvCxnSpPr>
+          <p:cNvPr id="5" name="Straight Connector 4">
+            <a:extLst>
+              <a:ext uri="{FF2B5EF4-FFF2-40B4-BE49-F238E27FC236}">
+                <a16:creationId xmlns:a16="http://schemas.microsoft.com/office/drawing/2014/main" id="{8ADDC692-FFD9-4B2D-13B8-5C368B6E2801}"/>
+              </a:ext>
+            </a:extLst>
+          </p:cNvPr>
+          <p:cNvCxnSpPr/>
+          <p:nvPr/>
+        </p:nvCxnSpPr>
+        <p:spPr>
+          <a:xfrm>
+            <a:off x="2133600" y="3429000"/>
+            <a:ext cx="7739270" cy="0"/>
+          </a:xfrm>
+          <a:prstGeom prst="line">
+            <a:avLst/>
+          </a:prstGeom>
+          <a:ln w="50800"/>
+        </p:spPr>
+        <p:style>
+          <a:lnRef idx="1">
+            <a:schemeClr val="accent1"/>
+          </a:lnRef>
+          <a:fillRef idx="0">
+            <a:schemeClr val="accent1"/>
+          </a:fillRef>
+          <a:effectRef idx="0">
+            <a:schemeClr val="accent1"/>
+          </a:effectRef>
+          <a:fontRef idx="minor">
+            <a:schemeClr val="tx1"/>
+          </a:fontRef>
+        </p:style>
+      </p:cxnSp>
+      <p:sp>
+        <p:nvSpPr>
+          <p:cNvPr id="6" name="TextBox 5">
+            <a:extLst>
+              <a:ext uri="{FF2B5EF4-FFF2-40B4-BE49-F238E27FC236}">
+                <a16:creationId xmlns:a16="http://schemas.microsoft.com/office/drawing/2014/main" id="{C8E9DC17-CCE7-7D30-4F84-059C3DE59E40}"/>
+              </a:ext>
+            </a:extLst>
+          </p:cNvPr>
+          <p:cNvSpPr txBox="1"/>
+          <p:nvPr/>
+        </p:nvSpPr>
+        <p:spPr>
+          <a:xfrm>
+            <a:off x="2027582" y="3431232"/>
+            <a:ext cx="450574" cy="461665"/>
           </a:xfrm>
           <a:prstGeom prst="rect">
             <a:avLst/>
           </a:prstGeom>
-        </p:spPr>
-      </p:pic>
-      <p:pic>
-        <p:nvPicPr>
-          <p:cNvPr id="6" name="Picture 5" descr="A graph of a line with a blue arrow&#10;&#10;Description automatically generated">
-            <a:extLst>
-              <a:ext uri="{FF2B5EF4-FFF2-40B4-BE49-F238E27FC236}">
-                <a16:creationId xmlns:a16="http://schemas.microsoft.com/office/drawing/2014/main" id="{D1DE8A3C-E048-0705-D76F-FC12071E8A6D}"/>
-              </a:ext>
-            </a:extLst>
-          </p:cNvPr>
-          <p:cNvPicPr>
-            <a:picLocks noChangeAspect="1"/>
-          </p:cNvPicPr>
-          <p:nvPr/>
-        </p:nvPicPr>
-        <p:blipFill>
-          <a:blip r:embed="rId3"/>
-          <a:stretch>
-            <a:fillRect/>
-          </a:stretch>
-        </p:blipFill>
-        <p:spPr>
-          <a:xfrm>
-            <a:off x="1865779" y="1963101"/>
-            <a:ext cx="3564218" cy="1968068"/>
+          <a:noFill/>
+        </p:spPr>
+        <p:txBody>
+          <a:bodyPr wrap="square" rtlCol="0">
+            <a:spAutoFit/>
+          </a:bodyPr>
+          <a:lstStyle/>
+          <a:p>
+            <a:r>
+              <a:rPr lang="en-US" sz="2400" dirty="0"/>
+              <a:t>1</a:t>
+            </a:r>
+          </a:p>
+        </p:txBody>
+      </p:sp>
+      <p:sp>
+        <p:nvSpPr>
+          <p:cNvPr id="7" name="TextBox 6">
+            <a:extLst>
+              <a:ext uri="{FF2B5EF4-FFF2-40B4-BE49-F238E27FC236}">
+                <a16:creationId xmlns:a16="http://schemas.microsoft.com/office/drawing/2014/main" id="{6AA4D992-E1F8-FCA2-4B34-CC334E4379E0}"/>
+              </a:ext>
+            </a:extLst>
+          </p:cNvPr>
+          <p:cNvSpPr txBox="1"/>
+          <p:nvPr/>
+        </p:nvSpPr>
+        <p:spPr>
+          <a:xfrm>
+            <a:off x="9515062" y="3429000"/>
+            <a:ext cx="649356" cy="461665"/>
           </a:xfrm>
           <a:prstGeom prst="rect">
             <a:avLst/>
           </a:prstGeom>
-        </p:spPr>
-      </p:pic>
-      <p:pic>
-        <p:nvPicPr>
-          <p:cNvPr id="8" name="Picture 7" descr="A diagram of a cube with a cross and a plane&#10;&#10;Description automatically generated">
-            <a:extLst>
-              <a:ext uri="{FF2B5EF4-FFF2-40B4-BE49-F238E27FC236}">
-                <a16:creationId xmlns:a16="http://schemas.microsoft.com/office/drawing/2014/main" id="{2EEF01ED-94B7-1F17-47F9-F7B1122D85A9}"/>
-              </a:ext>
-            </a:extLst>
-          </p:cNvPr>
-          <p:cNvPicPr>
-            <a:picLocks noChangeAspect="1"/>
-          </p:cNvPicPr>
-          <p:nvPr/>
-        </p:nvPicPr>
-        <p:blipFill>
-          <a:blip r:embed="rId4"/>
-          <a:stretch>
-            <a:fillRect/>
-          </a:stretch>
-        </p:blipFill>
-        <p:spPr>
-          <a:xfrm>
-            <a:off x="7363443" y="1716900"/>
-            <a:ext cx="3098369" cy="2460470"/>
+          <a:noFill/>
+        </p:spPr>
+        <p:txBody>
+          <a:bodyPr wrap="square" rtlCol="0">
+            <a:spAutoFit/>
+          </a:bodyPr>
+          <a:lstStyle/>
+          <a:p>
+            <a:r>
+              <a:rPr lang="en-US" sz="2400" dirty="0"/>
+              <a:t>10</a:t>
+            </a:r>
+          </a:p>
+        </p:txBody>
+      </p:sp>
+      <p:sp>
+        <p:nvSpPr>
+          <p:cNvPr id="8" name="TextBox 7">
+            <a:extLst>
+              <a:ext uri="{FF2B5EF4-FFF2-40B4-BE49-F238E27FC236}">
+                <a16:creationId xmlns:a16="http://schemas.microsoft.com/office/drawing/2014/main" id="{85E2FB65-4E36-2C11-388D-F0F45AEE3BBF}"/>
+              </a:ext>
+            </a:extLst>
+          </p:cNvPr>
+          <p:cNvSpPr txBox="1"/>
+          <p:nvPr/>
+        </p:nvSpPr>
+        <p:spPr>
+          <a:xfrm>
+            <a:off x="2027581" y="2919873"/>
+            <a:ext cx="1563757" cy="461665"/>
           </a:xfrm>
           <a:prstGeom prst="rect">
             <a:avLst/>
           </a:prstGeom>
-        </p:spPr>
-      </p:pic>
-      <p:pic>
-        <p:nvPicPr>
-          <p:cNvPr id="10" name="Picture 9" descr="A screenshot of a computer&#10;&#10;Description automatically generated">
-            <a:extLst>
-              <a:ext uri="{FF2B5EF4-FFF2-40B4-BE49-F238E27FC236}">
-                <a16:creationId xmlns:a16="http://schemas.microsoft.com/office/drawing/2014/main" id="{D04960A6-BB80-D940-5429-974900FD0346}"/>
-              </a:ext>
-            </a:extLst>
-          </p:cNvPr>
-          <p:cNvPicPr>
-            <a:picLocks noChangeAspect="1"/>
-          </p:cNvPicPr>
-          <p:nvPr/>
-        </p:nvPicPr>
-        <p:blipFill>
-          <a:blip r:embed="rId5"/>
-          <a:stretch>
-            <a:fillRect/>
-          </a:stretch>
-        </p:blipFill>
-        <p:spPr>
-          <a:xfrm>
-            <a:off x="5198438" y="4043290"/>
-            <a:ext cx="2396565" cy="2665671"/>
+          <a:noFill/>
+        </p:spPr>
+        <p:txBody>
+          <a:bodyPr wrap="square" rtlCol="0">
+            <a:spAutoFit/>
+          </a:bodyPr>
+          <a:lstStyle/>
+          <a:p>
+            <a:r>
+              <a:rPr lang="en-US" sz="2400" dirty="0"/>
+              <a:t>Introvert</a:t>
+            </a:r>
+          </a:p>
+        </p:txBody>
+      </p:sp>
+      <p:sp>
+        <p:nvSpPr>
+          <p:cNvPr id="9" name="TextBox 8">
+            <a:extLst>
+              <a:ext uri="{FF2B5EF4-FFF2-40B4-BE49-F238E27FC236}">
+                <a16:creationId xmlns:a16="http://schemas.microsoft.com/office/drawing/2014/main" id="{D56E121A-2721-7995-1913-FF25BEB6238C}"/>
+              </a:ext>
+            </a:extLst>
+          </p:cNvPr>
+          <p:cNvSpPr txBox="1"/>
+          <p:nvPr/>
+        </p:nvSpPr>
+        <p:spPr>
+          <a:xfrm>
+            <a:off x="8613916" y="2919872"/>
+            <a:ext cx="1563757" cy="461665"/>
           </a:xfrm>
           <a:prstGeom prst="rect">
             <a:avLst/>
           </a:prstGeom>
-        </p:spPr>
-      </p:pic>
+          <a:noFill/>
+        </p:spPr>
+        <p:txBody>
+          <a:bodyPr wrap="square" rtlCol="0">
+            <a:spAutoFit/>
+          </a:bodyPr>
+          <a:lstStyle/>
+          <a:p>
+            <a:r>
+              <a:rPr lang="en-US" sz="2400" dirty="0"/>
+              <a:t>Extrovert</a:t>
+            </a:r>
+          </a:p>
+        </p:txBody>
+      </p:sp>
     </p:spTree>
     <p:extLst>
       <p:ext uri="{BB962C8B-B14F-4D97-AF65-F5344CB8AC3E}">
-        <p14:creationId xmlns:p14="http://schemas.microsoft.com/office/powerpoint/2010/main" val="1771422143"/>
+        <p14:creationId xmlns:p14="http://schemas.microsoft.com/office/powerpoint/2010/main" val="1667927887"/>
       </p:ext>
     </p:extLst>
   </p:cSld>
@@ -6682,7 +6423,7 @@
           <a:p>
             <a:r>
               <a:rPr lang="en-US" dirty="0"/>
-              <a:t>Question 1</a:t>
+              <a:t>Question 2</a:t>
             </a:r>
           </a:p>
         </p:txBody>
@@ -6809,7 +6550,7 @@
         <p:spPr>
           <a:xfrm>
             <a:off x="2027581" y="2919873"/>
-            <a:ext cx="1563757" cy="461665"/>
+            <a:ext cx="2173358" cy="461665"/>
           </a:xfrm>
           <a:prstGeom prst="rect">
             <a:avLst/>
@@ -6824,7 +6565,7 @@
           <a:p>
             <a:r>
               <a:rPr lang="en-US" sz="2400" dirty="0"/>
-              <a:t>Introvert</a:t>
+              <a:t>Loves Small Talk</a:t>
             </a:r>
           </a:p>
         </p:txBody>
@@ -6843,8 +6584,8 @@
         </p:nvSpPr>
         <p:spPr>
           <a:xfrm>
-            <a:off x="8613916" y="2919872"/>
-            <a:ext cx="1563757" cy="461665"/>
+            <a:off x="7805530" y="2919872"/>
+            <a:ext cx="2358887" cy="461665"/>
           </a:xfrm>
           <a:prstGeom prst="rect">
             <a:avLst/>
@@ -6859,7 +6600,7 @@
           <a:p>
             <a:r>
               <a:rPr lang="en-US" sz="2400" dirty="0"/>
-              <a:t>Extrovert</a:t>
+              <a:t>Hates Small Talk</a:t>
             </a:r>
           </a:p>
         </p:txBody>
@@ -6867,7 +6608,7 @@
     </p:spTree>
     <p:extLst>
       <p:ext uri="{BB962C8B-B14F-4D97-AF65-F5344CB8AC3E}">
-        <p14:creationId xmlns:p14="http://schemas.microsoft.com/office/powerpoint/2010/main" val="1667927887"/>
+        <p14:creationId xmlns:p14="http://schemas.microsoft.com/office/powerpoint/2010/main" val="3079084457"/>
       </p:ext>
     </p:extLst>
   </p:cSld>
@@ -6917,7 +6658,7 @@
           <a:p>
             <a:r>
               <a:rPr lang="en-US" dirty="0"/>
-              <a:t>Question 2</a:t>
+              <a:t>Question 3</a:t>
             </a:r>
           </a:p>
         </p:txBody>
@@ -7059,7 +6800,7 @@
           <a:p>
             <a:r>
               <a:rPr lang="en-US" sz="2400" dirty="0"/>
-              <a:t>Loves Small Talk</a:t>
+              <a:t>Risk Averse</a:t>
             </a:r>
           </a:p>
         </p:txBody>
@@ -7078,7 +6819,7 @@
         </p:nvSpPr>
         <p:spPr>
           <a:xfrm>
-            <a:off x="7805530" y="2919872"/>
+            <a:off x="8335618" y="2911016"/>
             <a:ext cx="2358887" cy="461665"/>
           </a:xfrm>
           <a:prstGeom prst="rect">
@@ -7094,7 +6835,7 @@
           <a:p>
             <a:r>
               <a:rPr lang="en-US" sz="2400" dirty="0"/>
-              <a:t>Hates Small Talk</a:t>
+              <a:t>Risk Taking</a:t>
             </a:r>
           </a:p>
         </p:txBody>
@@ -7102,7 +6843,7 @@
     </p:spTree>
     <p:extLst>
       <p:ext uri="{BB962C8B-B14F-4D97-AF65-F5344CB8AC3E}">
-        <p14:creationId xmlns:p14="http://schemas.microsoft.com/office/powerpoint/2010/main" val="3079084457"/>
+        <p14:creationId xmlns:p14="http://schemas.microsoft.com/office/powerpoint/2010/main" val="2357666197"/>
       </p:ext>
     </p:extLst>
   </p:cSld>
@@ -7152,7 +6893,7 @@
           <a:p>
             <a:r>
               <a:rPr lang="en-US" dirty="0"/>
-              <a:t>Question 3</a:t>
+              <a:t>Question 4</a:t>
             </a:r>
           </a:p>
         </p:txBody>
@@ -7294,7 +7035,7 @@
           <a:p>
             <a:r>
               <a:rPr lang="en-US" sz="2400" dirty="0"/>
-              <a:t>Risk Averse</a:t>
+              <a:t>Impatient</a:t>
             </a:r>
           </a:p>
         </p:txBody>
@@ -7313,8 +7054,8 @@
         </p:nvSpPr>
         <p:spPr>
           <a:xfrm>
-            <a:off x="8335618" y="2911016"/>
-            <a:ext cx="2358887" cy="461665"/>
+            <a:off x="8825949" y="2924268"/>
+            <a:ext cx="1179444" cy="461665"/>
           </a:xfrm>
           <a:prstGeom prst="rect">
             <a:avLst/>
@@ -7329,7 +7070,7 @@
           <a:p>
             <a:r>
               <a:rPr lang="en-US" sz="2400" dirty="0"/>
-              <a:t>Risk Taking</a:t>
+              <a:t>Patient</a:t>
             </a:r>
           </a:p>
         </p:txBody>
@@ -7337,7 +7078,7 @@
     </p:spTree>
     <p:extLst>
       <p:ext uri="{BB962C8B-B14F-4D97-AF65-F5344CB8AC3E}">
-        <p14:creationId xmlns:p14="http://schemas.microsoft.com/office/powerpoint/2010/main" val="2357666197"/>
+        <p14:creationId xmlns:p14="http://schemas.microsoft.com/office/powerpoint/2010/main" val="3654871619"/>
       </p:ext>
     </p:extLst>
   </p:cSld>
@@ -7387,7 +7128,7 @@
           <a:p>
             <a:r>
               <a:rPr lang="en-US" dirty="0"/>
-              <a:t>Question 4</a:t>
+              <a:t>Question 5</a:t>
             </a:r>
           </a:p>
         </p:txBody>
@@ -7529,7 +7270,7 @@
           <a:p>
             <a:r>
               <a:rPr lang="en-US" sz="2400" dirty="0"/>
-              <a:t>Impatient</a:t>
+              <a:t>Analytical</a:t>
             </a:r>
           </a:p>
         </p:txBody>
@@ -7548,8 +7289,8 @@
         </p:nvSpPr>
         <p:spPr>
           <a:xfrm>
-            <a:off x="8825949" y="2924268"/>
-            <a:ext cx="1179444" cy="461665"/>
+            <a:off x="8746436" y="2943604"/>
+            <a:ext cx="1285460" cy="461665"/>
           </a:xfrm>
           <a:prstGeom prst="rect">
             <a:avLst/>
@@ -7564,7 +7305,7 @@
           <a:p>
             <a:r>
               <a:rPr lang="en-US" sz="2400" dirty="0"/>
-              <a:t>Patient</a:t>
+              <a:t>Creative</a:t>
             </a:r>
           </a:p>
         </p:txBody>
@@ -7572,7 +7313,7 @@
     </p:spTree>
     <p:extLst>
       <p:ext uri="{BB962C8B-B14F-4D97-AF65-F5344CB8AC3E}">
-        <p14:creationId xmlns:p14="http://schemas.microsoft.com/office/powerpoint/2010/main" val="3654871619"/>
+        <p14:creationId xmlns:p14="http://schemas.microsoft.com/office/powerpoint/2010/main" val="3069170701"/>
       </p:ext>
     </p:extLst>
   </p:cSld>
@@ -7622,7 +7363,7 @@
           <a:p>
             <a:r>
               <a:rPr lang="en-US" dirty="0"/>
-              <a:t>Question 5</a:t>
+              <a:t>Question 6</a:t>
             </a:r>
           </a:p>
         </p:txBody>
@@ -7749,7 +7490,7 @@
         <p:spPr>
           <a:xfrm>
             <a:off x="2027581" y="2919873"/>
-            <a:ext cx="2173358" cy="461665"/>
+            <a:ext cx="1417984" cy="461665"/>
           </a:xfrm>
           <a:prstGeom prst="rect">
             <a:avLst/>
@@ -7764,7 +7505,7 @@
           <a:p>
             <a:r>
               <a:rPr lang="en-US" sz="2400" dirty="0"/>
-              <a:t>Analytical</a:t>
+              <a:t>Thinking</a:t>
             </a:r>
           </a:p>
         </p:txBody>
@@ -7799,7 +7540,7 @@
           <a:p>
             <a:r>
               <a:rPr lang="en-US" sz="2400" dirty="0"/>
-              <a:t>Creative</a:t>
+              <a:t>Feeling</a:t>
             </a:r>
           </a:p>
         </p:txBody>
@@ -7807,7 +7548,7 @@
     </p:spTree>
     <p:extLst>
       <p:ext uri="{BB962C8B-B14F-4D97-AF65-F5344CB8AC3E}">
-        <p14:creationId xmlns:p14="http://schemas.microsoft.com/office/powerpoint/2010/main" val="3069170701"/>
+        <p14:creationId xmlns:p14="http://schemas.microsoft.com/office/powerpoint/2010/main" val="2137071288"/>
       </p:ext>
     </p:extLst>
   </p:cSld>
